--- a/presentations/presentation_03_Практическая_работа_6_Введение_в_Java_и_первая_программа.pptx
+++ b/presentations/presentation_03_Практическая_работа_6_Введение_в_Java_и_первая_программа.pptx
@@ -3171,24 +3171,17 @@
       <p:grpSpPr/>
       <p:sp>
         <p:nvSpPr>
-          <p:cNvPr id="2" name="TextBox 1"/>
-          <p:cNvSpPr txBox="1"/>
-          <p:nvPr/>
-        </p:nvSpPr>
-        <p:spPr>
-          <a:xfrm>
-            <a:off x="457200" y="457200"/>
-            <a:ext cx="8229600" cy="914400"/>
-          </a:xfrm>
-          <a:prstGeom prst="rect">
-            <a:avLst/>
-          </a:prstGeom>
-          <a:noFill/>
-        </p:spPr>
-        <p:txBody>
-          <a:bodyPr wrap="none">
-            <a:spAutoFit/>
-          </a:bodyPr>
+          <p:cNvPr id="2" name="Title 1"/>
+          <p:cNvSpPr>
+            <a:spLocks noGrp="1"/>
+          </p:cNvSpPr>
+          <p:nvPr>
+            <p:ph type="title"/>
+          </p:nvPr>
+        </p:nvSpPr>
+        <p:spPr/>
+        <p:txBody>
+          <a:bodyPr/>
           <a:lstStyle/>
           <a:p>
             <a:pPr>
@@ -3207,27 +3200,21 @@
       </p:sp>
       <p:sp>
         <p:nvSpPr>
-          <p:cNvPr id="3" name="TextBox 2"/>
-          <p:cNvSpPr txBox="1"/>
-          <p:nvPr/>
-        </p:nvSpPr>
-        <p:spPr>
-          <a:xfrm>
-            <a:off x="457200" y="1371600"/>
-            <a:ext cx="8229600" cy="5029200"/>
-          </a:xfrm>
-          <a:prstGeom prst="rect">
-            <a:avLst/>
-          </a:prstGeom>
-          <a:noFill/>
-        </p:spPr>
-        <p:txBody>
-          <a:bodyPr wrap="none">
-            <a:spAutoFit/>
-          </a:bodyPr>
+          <p:cNvPr id="3" name="Content Placeholder 2"/>
+          <p:cNvSpPr>
+            <a:spLocks noGrp="1"/>
+          </p:cNvSpPr>
+          <p:nvPr>
+            <p:ph idx="1"/>
+          </p:nvPr>
+        </p:nvSpPr>
+        <p:spPr/>
+        <p:txBody>
+          <a:bodyPr/>
           <a:lstStyle/>
           <a:p>
             <a:pPr>
+              <a:buNone/>
               <a:defRPr sz="1400" b="1">
                 <a:solidFill>
                   <a:srgbClr val="444444"/>
@@ -3241,6 +3228,7 @@
           </a:p>
           <a:p>
             <a:pPr>
+              <a:buNone/>
               <a:defRPr sz="1400" b="1">
                 <a:solidFill>
                   <a:srgbClr val="444444"/>
@@ -3253,7 +3241,7 @@
             </a:r>
           </a:p>
           <a:p>
-            <a:pPr>
+            <a:pPr marL="360000">
               <a:defRPr sz="1400">
                 <a:solidFill>
                   <a:srgbClr val="444444"/>
@@ -3262,11 +3250,11 @@
               </a:defRPr>
             </a:pPr>
             <a:r>
-              <a:t>• установить и проверить работоспособность JDK.</a:t>
-            </a:r>
-          </a:p>
-          <a:p>
-            <a:pPr>
+              <a:t>- установить и проверить работоспособность JDK.</a:t>
+            </a:r>
+          </a:p>
+          <a:p>
+            <a:pPr marL="360000">
               <a:defRPr sz="1400">
                 <a:solidFill>
                   <a:srgbClr val="444444"/>
@@ -3275,11 +3263,11 @@
               </a:defRPr>
             </a:pPr>
             <a:r>
-              <a:t>• установить и познакомиться с интерфейсом IntelliJ IDEA.</a:t>
-            </a:r>
-          </a:p>
-          <a:p>
-            <a:pPr>
+              <a:t>- установить и познакомиться с интерфейсом IntelliJ IDEA.</a:t>
+            </a:r>
+          </a:p>
+          <a:p>
+            <a:pPr marL="360000">
               <a:defRPr sz="1400">
                 <a:solidFill>
                   <a:srgbClr val="444444"/>
@@ -3288,11 +3276,11 @@
               </a:defRPr>
             </a:pPr>
             <a:r>
-              <a:t>• научиться создавать новый проект в IDE.</a:t>
-            </a:r>
-          </a:p>
-          <a:p>
-            <a:pPr>
+              <a:t>- научиться создавать новый проект в IDE.</a:t>
+            </a:r>
+          </a:p>
+          <a:p>
+            <a:pPr marL="360000">
               <a:defRPr sz="1400">
                 <a:solidFill>
                   <a:srgbClr val="444444"/>
@@ -3301,7 +3289,7 @@
               </a:defRPr>
             </a:pPr>
             <a:r>
-              <a:t>• освоить процесс написания, компиляции и запуска Java-программы.</a:t>
+              <a:t>- освоить процесс написания, компиляции и запуска Java-программы.</a:t>
             </a:r>
           </a:p>
         </p:txBody>
@@ -3326,24 +3314,17 @@
       <p:grpSpPr/>
       <p:sp>
         <p:nvSpPr>
-          <p:cNvPr id="2" name="TextBox 1"/>
-          <p:cNvSpPr txBox="1"/>
-          <p:nvPr/>
-        </p:nvSpPr>
-        <p:spPr>
-          <a:xfrm>
-            <a:off x="457200" y="457200"/>
-            <a:ext cx="8229600" cy="914400"/>
-          </a:xfrm>
-          <a:prstGeom prst="rect">
-            <a:avLst/>
-          </a:prstGeom>
-          <a:noFill/>
-        </p:spPr>
-        <p:txBody>
-          <a:bodyPr wrap="none">
-            <a:spAutoFit/>
-          </a:bodyPr>
+          <p:cNvPr id="2" name="Title 1"/>
+          <p:cNvSpPr>
+            <a:spLocks noGrp="1"/>
+          </p:cNvSpPr>
+          <p:nvPr>
+            <p:ph type="title"/>
+          </p:nvPr>
+        </p:nvSpPr>
+        <p:spPr/>
+        <p:txBody>
+          <a:bodyPr/>
           <a:lstStyle/>
           <a:p>
             <a:pPr>
@@ -3362,27 +3343,21 @@
       </p:sp>
       <p:sp>
         <p:nvSpPr>
-          <p:cNvPr id="3" name="TextBox 2"/>
-          <p:cNvSpPr txBox="1"/>
-          <p:nvPr/>
-        </p:nvSpPr>
-        <p:spPr>
-          <a:xfrm>
-            <a:off x="457200" y="1371600"/>
-            <a:ext cx="8229600" cy="5029200"/>
-          </a:xfrm>
-          <a:prstGeom prst="rect">
-            <a:avLst/>
-          </a:prstGeom>
-          <a:noFill/>
-        </p:spPr>
-        <p:txBody>
-          <a:bodyPr wrap="none">
-            <a:spAutoFit/>
-          </a:bodyPr>
+          <p:cNvPr id="3" name="Content Placeholder 2"/>
+          <p:cNvSpPr>
+            <a:spLocks noGrp="1"/>
+          </p:cNvSpPr>
+          <p:nvPr>
+            <p:ph idx="1"/>
+          </p:nvPr>
+        </p:nvSpPr>
+        <p:spPr/>
+        <p:txBody>
+          <a:bodyPr/>
           <a:lstStyle/>
           <a:p>
             <a:pPr>
+              <a:buNone/>
               <a:defRPr sz="1400">
                 <a:solidFill>
                   <a:srgbClr val="444444"/>
@@ -3396,6 +3371,7 @@
           </a:p>
           <a:p>
             <a:pPr>
+              <a:buNone/>
               <a:defRPr sz="1400">
                 <a:solidFill>
                   <a:srgbClr val="444444"/>
@@ -3409,6 +3385,7 @@
           </a:p>
           <a:p>
             <a:pPr>
+              <a:buNone/>
               <a:defRPr sz="1400">
                 <a:solidFill>
                   <a:srgbClr val="444444"/>
@@ -3422,6 +3399,7 @@
           </a:p>
           <a:p>
             <a:pPr>
+              <a:buNone/>
               <a:defRPr sz="1400">
                 <a:solidFill>
                   <a:srgbClr val="444444"/>
@@ -3455,24 +3433,17 @@
       <p:grpSpPr/>
       <p:sp>
         <p:nvSpPr>
-          <p:cNvPr id="2" name="TextBox 1"/>
-          <p:cNvSpPr txBox="1"/>
-          <p:nvPr/>
-        </p:nvSpPr>
-        <p:spPr>
-          <a:xfrm>
-            <a:off x="457200" y="457200"/>
-            <a:ext cx="8229600" cy="914400"/>
-          </a:xfrm>
-          <a:prstGeom prst="rect">
-            <a:avLst/>
-          </a:prstGeom>
-          <a:noFill/>
-        </p:spPr>
-        <p:txBody>
-          <a:bodyPr wrap="none">
-            <a:spAutoFit/>
-          </a:bodyPr>
+          <p:cNvPr id="2" name="Title 1"/>
+          <p:cNvSpPr>
+            <a:spLocks noGrp="1"/>
+          </p:cNvSpPr>
+          <p:nvPr>
+            <p:ph type="title"/>
+          </p:nvPr>
+        </p:nvSpPr>
+        <p:spPr/>
+        <p:txBody>
+          <a:bodyPr/>
           <a:lstStyle/>
           <a:p>
             <a:pPr>
@@ -3491,27 +3462,21 @@
       </p:sp>
       <p:sp>
         <p:nvSpPr>
-          <p:cNvPr id="3" name="TextBox 2"/>
-          <p:cNvSpPr txBox="1"/>
-          <p:nvPr/>
-        </p:nvSpPr>
-        <p:spPr>
-          <a:xfrm>
-            <a:off x="457200" y="1371600"/>
-            <a:ext cx="8229600" cy="5029200"/>
-          </a:xfrm>
-          <a:prstGeom prst="rect">
-            <a:avLst/>
-          </a:prstGeom>
-          <a:noFill/>
-        </p:spPr>
-        <p:txBody>
-          <a:bodyPr wrap="none">
-            <a:spAutoFit/>
-          </a:bodyPr>
+          <p:cNvPr id="3" name="Content Placeholder 2"/>
+          <p:cNvSpPr>
+            <a:spLocks noGrp="1"/>
+          </p:cNvSpPr>
+          <p:nvPr>
+            <p:ph idx="1"/>
+          </p:nvPr>
+        </p:nvSpPr>
+        <p:spPr/>
+        <p:txBody>
+          <a:bodyPr/>
           <a:lstStyle/>
           <a:p>
             <a:pPr>
+              <a:buNone/>
               <a:defRPr sz="1400">
                 <a:solidFill>
                   <a:srgbClr val="444444"/>
@@ -3525,6 +3490,7 @@
           </a:p>
           <a:p>
             <a:pPr>
+              <a:buNone/>
               <a:defRPr sz="1400" b="1">
                 <a:solidFill>
                   <a:srgbClr val="444444"/>
@@ -3538,6 +3504,7 @@
           </a:p>
           <a:p>
             <a:pPr>
+              <a:buNone/>
               <a:defRPr sz="1400" b="1">
                 <a:solidFill>
                   <a:srgbClr val="444444"/>
@@ -3551,6 +3518,7 @@
           </a:p>
           <a:p>
             <a:pPr>
+              <a:buNone/>
               <a:defRPr sz="1400" b="1">
                 <a:solidFill>
                   <a:srgbClr val="444444"/>
@@ -3564,6 +3532,7 @@
           </a:p>
           <a:p>
             <a:pPr>
+              <a:buNone/>
               <a:defRPr sz="1400" b="1">
                 <a:solidFill>
                   <a:srgbClr val="444444"/>
@@ -3577,6 +3546,7 @@
           </a:p>
           <a:p>
             <a:pPr>
+              <a:buNone/>
               <a:defRPr sz="1400" b="1">
                 <a:solidFill>
                   <a:srgbClr val="444444"/>
@@ -3590,6 +3560,7 @@
           </a:p>
           <a:p>
             <a:pPr>
+              <a:buNone/>
               <a:defRPr sz="1400" b="1">
                 <a:solidFill>
                   <a:srgbClr val="444444"/>
@@ -3603,6 +3574,7 @@
           </a:p>
           <a:p>
             <a:pPr>
+              <a:buNone/>
               <a:defRPr sz="1400" b="1">
                 <a:solidFill>
                   <a:srgbClr val="444444"/>
@@ -3616,6 +3588,7 @@
           </a:p>
           <a:p>
             <a:pPr>
+              <a:buNone/>
               <a:defRPr sz="1400" b="1">
                 <a:solidFill>
                   <a:srgbClr val="444444"/>
@@ -3649,24 +3622,17 @@
       <p:grpSpPr/>
       <p:sp>
         <p:nvSpPr>
-          <p:cNvPr id="2" name="TextBox 1"/>
-          <p:cNvSpPr txBox="1"/>
-          <p:nvPr/>
-        </p:nvSpPr>
-        <p:spPr>
-          <a:xfrm>
-            <a:off x="457200" y="457200"/>
-            <a:ext cx="8229600" cy="914400"/>
-          </a:xfrm>
-          <a:prstGeom prst="rect">
-            <a:avLst/>
-          </a:prstGeom>
-          <a:noFill/>
-        </p:spPr>
-        <p:txBody>
-          <a:bodyPr wrap="none">
-            <a:spAutoFit/>
-          </a:bodyPr>
+          <p:cNvPr id="2" name="Title 1"/>
+          <p:cNvSpPr>
+            <a:spLocks noGrp="1"/>
+          </p:cNvSpPr>
+          <p:nvPr>
+            <p:ph type="title"/>
+          </p:nvPr>
+        </p:nvSpPr>
+        <p:spPr/>
+        <p:txBody>
+          <a:bodyPr/>
           <a:lstStyle/>
           <a:p>
             <a:pPr>
@@ -3685,24 +3651,17 @@
       </p:sp>
       <p:sp>
         <p:nvSpPr>
-          <p:cNvPr id="3" name="TextBox 2"/>
-          <p:cNvSpPr txBox="1"/>
-          <p:nvPr/>
-        </p:nvSpPr>
-        <p:spPr>
-          <a:xfrm>
-            <a:off x="457200" y="1371600"/>
-            <a:ext cx="8229600" cy="5029200"/>
-          </a:xfrm>
-          <a:prstGeom prst="rect">
-            <a:avLst/>
-          </a:prstGeom>
-          <a:noFill/>
-        </p:spPr>
-        <p:txBody>
-          <a:bodyPr wrap="none">
-            <a:spAutoFit/>
-          </a:bodyPr>
+          <p:cNvPr id="3" name="Content Placeholder 2"/>
+          <p:cNvSpPr>
+            <a:spLocks noGrp="1"/>
+          </p:cNvSpPr>
+          <p:nvPr>
+            <p:ph idx="1"/>
+          </p:nvPr>
+        </p:nvSpPr>
+        <p:spPr/>
+        <p:txBody>
+          <a:bodyPr/>
           <a:lstStyle/>
           <a:p/>
           <a:p>
@@ -3736,6 +3695,7 @@
           </a:p>
           <a:p>
             <a:pPr>
+              <a:buNone/>
               <a:defRPr sz="1400">
                 <a:solidFill>
                   <a:srgbClr val="444444"/>
@@ -3769,24 +3729,17 @@
       <p:grpSpPr/>
       <p:sp>
         <p:nvSpPr>
-          <p:cNvPr id="2" name="TextBox 1"/>
-          <p:cNvSpPr txBox="1"/>
-          <p:nvPr/>
-        </p:nvSpPr>
-        <p:spPr>
-          <a:xfrm>
-            <a:off x="457200" y="457200"/>
-            <a:ext cx="8229600" cy="914400"/>
-          </a:xfrm>
-          <a:prstGeom prst="rect">
-            <a:avLst/>
-          </a:prstGeom>
-          <a:noFill/>
-        </p:spPr>
-        <p:txBody>
-          <a:bodyPr wrap="none">
-            <a:spAutoFit/>
-          </a:bodyPr>
+          <p:cNvPr id="2" name="Title 1"/>
+          <p:cNvSpPr>
+            <a:spLocks noGrp="1"/>
+          </p:cNvSpPr>
+          <p:nvPr>
+            <p:ph type="title"/>
+          </p:nvPr>
+        </p:nvSpPr>
+        <p:spPr/>
+        <p:txBody>
+          <a:bodyPr/>
           <a:lstStyle/>
           <a:p>
             <a:pPr>
@@ -3805,27 +3758,21 @@
       </p:sp>
       <p:sp>
         <p:nvSpPr>
-          <p:cNvPr id="3" name="TextBox 2"/>
-          <p:cNvSpPr txBox="1"/>
-          <p:nvPr/>
-        </p:nvSpPr>
-        <p:spPr>
-          <a:xfrm>
-            <a:off x="457200" y="1371600"/>
-            <a:ext cx="8229600" cy="5029200"/>
-          </a:xfrm>
-          <a:prstGeom prst="rect">
-            <a:avLst/>
-          </a:prstGeom>
-          <a:noFill/>
-        </p:spPr>
-        <p:txBody>
-          <a:bodyPr wrap="none">
-            <a:spAutoFit/>
-          </a:bodyPr>
+          <p:cNvPr id="3" name="Content Placeholder 2"/>
+          <p:cNvSpPr>
+            <a:spLocks noGrp="1"/>
+          </p:cNvSpPr>
+          <p:nvPr>
+            <p:ph idx="1"/>
+          </p:nvPr>
+        </p:nvSpPr>
+        <p:spPr/>
+        <p:txBody>
+          <a:bodyPr/>
           <a:lstStyle/>
           <a:p>
             <a:pPr>
+              <a:buNone/>
               <a:defRPr sz="1400">
                 <a:solidFill>
                   <a:srgbClr val="444444"/>
@@ -3839,6 +3786,7 @@
           </a:p>
           <a:p>
             <a:pPr>
+              <a:buNone/>
               <a:defRPr sz="1400">
                 <a:solidFill>
                   <a:srgbClr val="444444"/>
@@ -3852,6 +3800,7 @@
           </a:p>
           <a:p>
             <a:pPr>
+              <a:buNone/>
               <a:defRPr sz="1400">
                 <a:solidFill>
                   <a:srgbClr val="444444"/>
@@ -3865,6 +3814,7 @@
           </a:p>
           <a:p>
             <a:pPr>
+              <a:buNone/>
               <a:defRPr sz="1400">
                 <a:solidFill>
                   <a:srgbClr val="444444"/>
